--- a/文件/ppt/論文交接.pptx
+++ b/文件/ppt/論文交接.pptx
@@ -287,7 +287,7 @@
           <a:p>
             <a:fld id="{131E76E6-F5F3-47BE-8FC1-C37550D88D41}" type="datetimeFigureOut">
               <a:rPr lang="zh-TW" altLang="en-US" smtClean="0"/>
-              <a:t>2024/8/13</a:t>
+              <a:t>2024/8/14</a:t>
             </a:fld>
             <a:endParaRPr lang="zh-TW" altLang="en-US"/>
           </a:p>
@@ -485,7 +485,7 @@
           <a:p>
             <a:fld id="{131E76E6-F5F3-47BE-8FC1-C37550D88D41}" type="datetimeFigureOut">
               <a:rPr lang="zh-TW" altLang="en-US" smtClean="0"/>
-              <a:t>2024/8/13</a:t>
+              <a:t>2024/8/14</a:t>
             </a:fld>
             <a:endParaRPr lang="zh-TW" altLang="en-US"/>
           </a:p>
@@ -693,7 +693,7 @@
           <a:p>
             <a:fld id="{131E76E6-F5F3-47BE-8FC1-C37550D88D41}" type="datetimeFigureOut">
               <a:rPr lang="zh-TW" altLang="en-US" smtClean="0"/>
-              <a:t>2024/8/13</a:t>
+              <a:t>2024/8/14</a:t>
             </a:fld>
             <a:endParaRPr lang="zh-TW" altLang="en-US"/>
           </a:p>
@@ -891,7 +891,7 @@
           <a:p>
             <a:fld id="{131E76E6-F5F3-47BE-8FC1-C37550D88D41}" type="datetimeFigureOut">
               <a:rPr lang="zh-TW" altLang="en-US" smtClean="0"/>
-              <a:t>2024/8/13</a:t>
+              <a:t>2024/8/14</a:t>
             </a:fld>
             <a:endParaRPr lang="zh-TW" altLang="en-US"/>
           </a:p>
@@ -1166,7 +1166,7 @@
           <a:p>
             <a:fld id="{131E76E6-F5F3-47BE-8FC1-C37550D88D41}" type="datetimeFigureOut">
               <a:rPr lang="zh-TW" altLang="en-US" smtClean="0"/>
-              <a:t>2024/8/13</a:t>
+              <a:t>2024/8/14</a:t>
             </a:fld>
             <a:endParaRPr lang="zh-TW" altLang="en-US"/>
           </a:p>
@@ -1431,7 +1431,7 @@
           <a:p>
             <a:fld id="{131E76E6-F5F3-47BE-8FC1-C37550D88D41}" type="datetimeFigureOut">
               <a:rPr lang="zh-TW" altLang="en-US" smtClean="0"/>
-              <a:t>2024/8/13</a:t>
+              <a:t>2024/8/14</a:t>
             </a:fld>
             <a:endParaRPr lang="zh-TW" altLang="en-US"/>
           </a:p>
@@ -1843,7 +1843,7 @@
           <a:p>
             <a:fld id="{131E76E6-F5F3-47BE-8FC1-C37550D88D41}" type="datetimeFigureOut">
               <a:rPr lang="zh-TW" altLang="en-US" smtClean="0"/>
-              <a:t>2024/8/13</a:t>
+              <a:t>2024/8/14</a:t>
             </a:fld>
             <a:endParaRPr lang="zh-TW" altLang="en-US"/>
           </a:p>
@@ -1984,7 +1984,7 @@
           <a:p>
             <a:fld id="{131E76E6-F5F3-47BE-8FC1-C37550D88D41}" type="datetimeFigureOut">
               <a:rPr lang="zh-TW" altLang="en-US" smtClean="0"/>
-              <a:t>2024/8/13</a:t>
+              <a:t>2024/8/14</a:t>
             </a:fld>
             <a:endParaRPr lang="zh-TW" altLang="en-US"/>
           </a:p>
@@ -2097,7 +2097,7 @@
           <a:p>
             <a:fld id="{131E76E6-F5F3-47BE-8FC1-C37550D88D41}" type="datetimeFigureOut">
               <a:rPr lang="zh-TW" altLang="en-US" smtClean="0"/>
-              <a:t>2024/8/13</a:t>
+              <a:t>2024/8/14</a:t>
             </a:fld>
             <a:endParaRPr lang="zh-TW" altLang="en-US"/>
           </a:p>
@@ -2408,7 +2408,7 @@
           <a:p>
             <a:fld id="{131E76E6-F5F3-47BE-8FC1-C37550D88D41}" type="datetimeFigureOut">
               <a:rPr lang="zh-TW" altLang="en-US" smtClean="0"/>
-              <a:t>2024/8/13</a:t>
+              <a:t>2024/8/14</a:t>
             </a:fld>
             <a:endParaRPr lang="zh-TW" altLang="en-US"/>
           </a:p>
@@ -2696,7 +2696,7 @@
           <a:p>
             <a:fld id="{131E76E6-F5F3-47BE-8FC1-C37550D88D41}" type="datetimeFigureOut">
               <a:rPr lang="zh-TW" altLang="en-US" smtClean="0"/>
-              <a:t>2024/8/13</a:t>
+              <a:t>2024/8/14</a:t>
             </a:fld>
             <a:endParaRPr lang="zh-TW" altLang="en-US"/>
           </a:p>
@@ -2937,7 +2937,7 @@
           <a:p>
             <a:fld id="{131E76E6-F5F3-47BE-8FC1-C37550D88D41}" type="datetimeFigureOut">
               <a:rPr lang="zh-TW" altLang="en-US" smtClean="0"/>
-              <a:t>2024/8/13</a:t>
+              <a:t>2024/8/14</a:t>
             </a:fld>
             <a:endParaRPr lang="zh-TW" altLang="en-US"/>
           </a:p>
@@ -7980,8 +7980,8 @@
         </p:nvSpPr>
         <p:spPr>
           <a:xfrm>
-            <a:off x="1692407" y="984588"/>
-            <a:ext cx="6094948" cy="369332"/>
+            <a:off x="548640" y="1057659"/>
+            <a:ext cx="3102654" cy="369332"/>
           </a:xfrm>
           <a:prstGeom prst="rect">
             <a:avLst/>
@@ -8035,8 +8035,8 @@
         </p:nvSpPr>
         <p:spPr>
           <a:xfrm>
-            <a:off x="1395249" y="3244334"/>
-            <a:ext cx="2848828" cy="646331"/>
+            <a:off x="618008" y="3244334"/>
+            <a:ext cx="3626069" cy="369332"/>
           </a:xfrm>
           <a:prstGeom prst="rect">
             <a:avLst/>
@@ -8082,8 +8082,8 @@
         </p:nvSpPr>
         <p:spPr>
           <a:xfrm>
-            <a:off x="1432464" y="5474088"/>
-            <a:ext cx="2811613" cy="646331"/>
+            <a:off x="548640" y="5474088"/>
+            <a:ext cx="3695437" cy="369332"/>
           </a:xfrm>
           <a:prstGeom prst="rect">
             <a:avLst/>
@@ -8135,7 +8135,7 @@
         </p:nvSpPr>
         <p:spPr>
           <a:xfrm>
-            <a:off x="89864" y="6447046"/>
+            <a:off x="182880" y="6374088"/>
             <a:ext cx="6094948" cy="369332"/>
           </a:xfrm>
           <a:prstGeom prst="rect">
@@ -12364,9 +12364,24 @@
           <a:p>
             <a:r>
               <a:rPr lang="en-US" altLang="zh-TW" sz="1100" dirty="0"/>
-              <a:t>                    [128, 128, 128]]</a:t>
-            </a:r>
-            <a:endParaRPr lang="zh-TW" altLang="en-US" sz="1100" dirty="0"/>
+              <a:t>                    [128, 128, 128]</a:t>
+            </a:r>
+          </a:p>
+          <a:p>
+            <a:r>
+              <a:rPr lang="zh-TW" altLang="en-US" sz="1100" dirty="0"/>
+              <a:t> </a:t>
+            </a:r>
+            <a:r>
+              <a:rPr lang="en-US" altLang="zh-TW" sz="1100" dirty="0"/>
+              <a:t>	[0, 0, 0]</a:t>
+            </a:r>
+          </a:p>
+          <a:p>
+            <a:r>
+              <a:rPr lang="en-US" altLang="zh-TW" sz="1100" dirty="0"/>
+              <a:t>                     [255, 255, 255]</a:t>
+            </a:r>
           </a:p>
         </p:txBody>
       </p:sp>
@@ -12411,6 +12426,41 @@
           </a:ln>
         </p:spPr>
       </p:pic>
+      <p:sp>
+        <p:nvSpPr>
+          <p:cNvPr id="6" name="文字方塊 5">
+            <a:extLst>
+              <a:ext uri="{FF2B5EF4-FFF2-40B4-BE49-F238E27FC236}">
+                <a16:creationId xmlns:a16="http://schemas.microsoft.com/office/drawing/2014/main" id="{F93CAE8A-08CC-4CAB-BF10-094EDA543EA9}"/>
+              </a:ext>
+            </a:extLst>
+          </p:cNvPr>
+          <p:cNvSpPr txBox="1"/>
+          <p:nvPr/>
+        </p:nvSpPr>
+        <p:spPr>
+          <a:xfrm>
+            <a:off x="556523" y="6308209"/>
+            <a:ext cx="6094948" cy="369332"/>
+          </a:xfrm>
+          <a:prstGeom prst="rect">
+            <a:avLst/>
+          </a:prstGeom>
+          <a:noFill/>
+        </p:spPr>
+        <p:txBody>
+          <a:bodyPr wrap="square">
+            <a:spAutoFit/>
+          </a:bodyPr>
+          <a:lstStyle/>
+          <a:p>
+            <a:r>
+              <a:rPr lang="zh-TW" altLang="en-US" dirty="0"/>
+              <a:t>https://blog.csdn.net/youth0826/article/details/13002729</a:t>
+            </a:r>
+          </a:p>
+        </p:txBody>
+      </p:sp>
     </p:spTree>
     <p:extLst>
       <p:ext uri="{BB962C8B-B14F-4D97-AF65-F5344CB8AC3E}">
@@ -12732,20 +12782,6 @@
               <a:t>資料集</a:t>
             </a:r>
             <a:endParaRPr lang="en-US" altLang="zh-TW" dirty="0"/>
-          </a:p>
-          <a:p>
-            <a:r>
-              <a:rPr lang="en-US" altLang="zh-TW" dirty="0"/>
-              <a:t>Quickdraw: </a:t>
-            </a:r>
-            <a:r>
-              <a:rPr lang="zh-TW" altLang="en-US" dirty="0"/>
-              <a:t>手繪各種圖案的資料集</a:t>
-            </a:r>
-            <a:endParaRPr lang="en-US" altLang="zh-TW" dirty="0"/>
-          </a:p>
-          <a:p>
-            <a:endParaRPr lang="zh-TW" altLang="en-US" dirty="0"/>
           </a:p>
         </p:txBody>
       </p:sp>
